--- a/Pipeline Documentation.pptx
+++ b/Pipeline Documentation.pptx
@@ -6365,8 +6365,8 @@
         </p:blipFill>
         <p:spPr>
           <a:xfrm>
-            <a:off x="459125" y="1807500"/>
-            <a:ext cx="8264475" cy="3086100"/>
+            <a:off x="424275" y="1772625"/>
+            <a:ext cx="8408026" cy="2547650"/>
           </a:xfrm>
           <a:prstGeom prst="rect">
             <a:avLst/>
